--- a/baocaolan3/Nguyễn Văn Hoàng Phúc - Trần Thanh Nguyên - Baocao3 - Nhóm 13-TT.pptx
+++ b/baocaolan3/Nguyễn Văn Hoàng Phúc - Trần Thanh Nguyên - Baocao3 - Nhóm 13-TT.pptx
@@ -10778,7 +10778,7 @@
               <a:buNone/>
             </a:pPr>
             <a:r>
-              <a:rPr lang="en" dirty="0" smtClean="0"/>
+              <a:rPr lang="en" dirty="0"/>
               <a:t>Giai đoạn xử lí tiền dữ liệu</a:t>
             </a:r>
             <a:endParaRPr dirty="0"/>
@@ -10869,7 +10869,7 @@
               <a:buNone/>
             </a:pPr>
             <a:r>
-              <a:rPr lang="en" dirty="0" smtClean="0"/>
+              <a:rPr lang="en" dirty="0"/>
               <a:t>Sử dụng LBP để trích xuất đặc trưng</a:t>
             </a:r>
             <a:endParaRPr dirty="0"/>
@@ -10928,21 +10928,8 @@
                   <a:schemeClr val="tx2"/>
                 </a:solidFill>
               </a:rPr>
-              <a:t>D</a:t>
-            </a:r>
-            <a:r>
-              <a:rPr lang="en-US" dirty="0" smtClean="0">
-                <a:solidFill>
-                  <a:schemeClr val="tx2"/>
-                </a:solidFill>
-              </a:rPr>
-              <a:t> = 3,    góc = 45 độ</a:t>
-            </a:r>
-            <a:endParaRPr lang="en-US" dirty="0">
-              <a:solidFill>
-                <a:schemeClr val="tx2"/>
-              </a:solidFill>
-            </a:endParaRPr>
+              <a:t>D = 3,    góc = 45 độ</a:t>
+            </a:r>
           </a:p>
         </p:txBody>
       </p:sp>
@@ -10974,21 +10961,8 @@
                   <a:schemeClr val="tx2"/>
                 </a:solidFill>
               </a:rPr>
-              <a:t>D</a:t>
-            </a:r>
-            <a:r>
-              <a:rPr lang="en-US" dirty="0" smtClean="0">
-                <a:solidFill>
-                  <a:schemeClr val="tx2"/>
-                </a:solidFill>
-              </a:rPr>
-              <a:t> = 5,    góc = 30 độ</a:t>
-            </a:r>
-            <a:endParaRPr lang="en-US" dirty="0">
-              <a:solidFill>
-                <a:schemeClr val="tx2"/>
-              </a:solidFill>
-            </a:endParaRPr>
+              <a:t>D = 5,    góc = 30 độ</a:t>
+            </a:r>
           </a:p>
         </p:txBody>
       </p:sp>
@@ -11015,18 +10989,13 @@
           <a:lstStyle/>
           <a:p>
             <a:r>
-              <a:rPr lang="en-US" sz="1800" dirty="0" smtClean="0">
+              <a:rPr lang="en-US" sz="1800" dirty="0">
                 <a:solidFill>
                   <a:schemeClr val="tx2"/>
                 </a:solidFill>
               </a:rPr>
               <a:t>Mỗi pixel (điểm ảnh) sẽ có một giá trị duy nhất thể hiện độ xám của điểm đó (0-255). Chúng ta đi so sánh giá trị của các điểm ảnh lân cận với điểm trung tâm để thu được giá trị của điểm ảnh LBP. </a:t>
             </a:r>
-            <a:endParaRPr lang="en-US" sz="1800" dirty="0">
-              <a:solidFill>
-                <a:schemeClr val="tx2"/>
-              </a:solidFill>
-            </a:endParaRPr>
           </a:p>
         </p:txBody>
       </p:sp>
@@ -11095,7 +11064,7 @@
               <a:buNone/>
             </a:pPr>
             <a:r>
-              <a:rPr lang="en" dirty="0" smtClean="0"/>
+              <a:rPr lang="en" dirty="0"/>
               <a:t>Sử dụng LBP để trích xuất đặc trưng</a:t>
             </a:r>
             <a:endParaRPr dirty="0"/>
@@ -11191,7 +11160,7 @@
               <a:buNone/>
             </a:pPr>
             <a:r>
-              <a:rPr lang="en" dirty="0" smtClean="0"/>
+              <a:rPr lang="en" dirty="0"/>
               <a:t>Sử dụng LBP để trích xuất đặc trưng</a:t>
             </a:r>
             <a:endParaRPr dirty="0"/>
@@ -11231,56 +11200,32 @@
           </a:p>
           <a:p>
             <a:r>
-              <a:rPr lang="en-US" sz="2000" dirty="0" smtClean="0">
+              <a:rPr lang="en-US" sz="2000" dirty="0">
                 <a:solidFill>
                   <a:schemeClr val="tx2"/>
                 </a:solidFill>
               </a:rPr>
-              <a:t>hist</a:t>
-            </a:r>
-            <a:r>
-              <a:rPr lang="en-US" sz="2000" dirty="0">
-                <a:solidFill>
-                  <a:schemeClr val="tx2"/>
-                </a:solidFill>
-              </a:rPr>
-              <a:t>, _ = np.histogram(out_our, bins=256)</a:t>
+              <a:t>hist, _ = np.histogram(out_our, bins=256)</a:t>
             </a:r>
           </a:p>
           <a:p>
             <a:r>
-              <a:rPr lang="en-US" sz="2000" dirty="0" smtClean="0">
+              <a:rPr lang="en-US" sz="2000" dirty="0">
                 <a:solidFill>
                   <a:schemeClr val="tx2"/>
                 </a:solidFill>
               </a:rPr>
-              <a:t># </a:t>
-            </a:r>
-            <a:r>
-              <a:rPr lang="en-US" sz="2000" dirty="0">
-                <a:solidFill>
-                  <a:schemeClr val="tx2"/>
-                </a:solidFill>
-              </a:rPr>
-              <a:t>chuan hoa</a:t>
+              <a:t># chuan hoa</a:t>
             </a:r>
           </a:p>
           <a:p>
             <a:r>
-              <a:rPr lang="en-US" sz="2000" dirty="0" smtClean="0">
+              <a:rPr lang="en-US" sz="2000" dirty="0">
                 <a:solidFill>
                   <a:schemeClr val="tx2"/>
                 </a:solidFill>
               </a:rPr>
-              <a:t>hist </a:t>
-            </a:r>
-            <a:r>
-              <a:rPr lang="en-US" sz="2000" dirty="0">
-                <a:solidFill>
-                  <a:schemeClr val="tx2"/>
-                </a:solidFill>
-              </a:rPr>
-              <a:t>= np.float32(hist) / np.sum(hist)</a:t>
+              <a:t>hist = np.float32(hist) / np.sum(hist)</a:t>
             </a:r>
           </a:p>
         </p:txBody>
@@ -11308,7 +11253,7 @@
           <a:lstStyle/>
           <a:p>
             <a:r>
-              <a:rPr lang="en-US" sz="2000" dirty="0" smtClean="0">
+              <a:rPr lang="en-US" sz="2000" dirty="0">
                 <a:solidFill>
                   <a:schemeClr val="tx2"/>
                 </a:solidFill>
@@ -11317,7 +11262,7 @@
             </a:r>
           </a:p>
           <a:p>
-            <a:endParaRPr lang="en-US" sz="2000" dirty="0" smtClean="0">
+            <a:endParaRPr lang="en-US" sz="2000" dirty="0">
               <a:solidFill>
                 <a:schemeClr val="tx2"/>
               </a:solidFill>
@@ -11325,18 +11270,13 @@
           </a:p>
           <a:p>
             <a:r>
-              <a:rPr lang="en-US" sz="2000" dirty="0" smtClean="0">
+              <a:rPr lang="en-US" sz="2000" dirty="0">
                 <a:solidFill>
                   <a:schemeClr val="tx2"/>
                 </a:solidFill>
               </a:rPr>
               <a:t>Ta có một siêu tham số đặc trưng cho LBP là bins – số khoảng để chia các điểm ảnh trong LBP image</a:t>
             </a:r>
-            <a:endParaRPr lang="en-US" sz="2000" dirty="0">
-              <a:solidFill>
-                <a:schemeClr val="tx2"/>
-              </a:solidFill>
-            </a:endParaRPr>
           </a:p>
         </p:txBody>
       </p:sp>
@@ -11405,7 +11345,7 @@
               <a:buNone/>
             </a:pPr>
             <a:r>
-              <a:rPr lang="en" dirty="0" smtClean="0"/>
+              <a:rPr lang="en" dirty="0"/>
               <a:t>Sử dụng HoG để trích xuất đặc trưng</a:t>
             </a:r>
             <a:endParaRPr dirty="0"/>
@@ -11440,23 +11380,7 @@
                   <a:schemeClr val="tx2"/>
                 </a:solidFill>
               </a:rPr>
-              <a:t>    # </a:t>
-            </a:r>
-            <a:r>
-              <a:rPr lang="vi-VN" sz="1800" dirty="0" smtClean="0">
-                <a:solidFill>
-                  <a:schemeClr val="tx2"/>
-                </a:solidFill>
-              </a:rPr>
-              <a:t>Tính</a:t>
-            </a:r>
-            <a:r>
-              <a:rPr lang="vi-VN" sz="1800" dirty="0">
-                <a:solidFill>
-                  <a:schemeClr val="tx2"/>
-                </a:solidFill>
-              </a:rPr>
-              <a:t> gradient</a:t>
+              <a:t>    # Tính gradient</a:t>
             </a:r>
           </a:p>
           <a:p>
@@ -11470,14 +11394,6 @@
             </a:r>
           </a:p>
           <a:p>
-            <a:r>
-              <a:rPr lang="vi-VN" sz="1800" dirty="0">
-                <a:solidFill>
-                  <a:schemeClr val="tx2"/>
-                </a:solidFill>
-              </a:rPr>
-              <a:t/>
-            </a:r>
             <a:br>
               <a:rPr lang="vi-VN" sz="1800" dirty="0">
                 <a:solidFill>
@@ -11505,14 +11421,6 @@
             </a:r>
           </a:p>
           <a:p>
-            <a:r>
-              <a:rPr lang="vi-VN" sz="1800" dirty="0">
-                <a:solidFill>
-                  <a:schemeClr val="tx2"/>
-                </a:solidFill>
-              </a:rPr>
-              <a:t/>
-            </a:r>
             <a:br>
               <a:rPr lang="vi-VN" sz="1800" dirty="0">
                 <a:solidFill>
@@ -11656,7 +11564,7 @@
               <a:buNone/>
             </a:pPr>
             <a:r>
-              <a:rPr lang="en" dirty="0" smtClean="0"/>
+              <a:rPr lang="en" dirty="0"/>
               <a:t>Sử dụng HoG để trích xuất đặc trưng</a:t>
             </a:r>
             <a:endParaRPr dirty="0"/>
@@ -11752,7 +11660,7 @@
               <a:buNone/>
             </a:pPr>
             <a:r>
-              <a:rPr lang="en" dirty="0" smtClean="0"/>
+              <a:rPr lang="en" dirty="0"/>
               <a:t>Sử dụng HoG để trích xuất đặc trưng</a:t>
             </a:r>
             <a:endParaRPr dirty="0"/>
@@ -12006,7 +11914,7 @@
           <a:p>
             <a:pPr lvl="0"/>
             <a:r>
-              <a:rPr lang="en" dirty="0" smtClean="0"/>
+              <a:rPr lang="en" dirty="0"/>
               <a:t>SVM</a:t>
             </a:r>
             <a:endParaRPr dirty="0"/>
@@ -12092,7 +12000,7 @@
               <a:buNone/>
             </a:pPr>
             <a:r>
-              <a:rPr lang="en" dirty="0" smtClean="0"/>
+              <a:rPr lang="en" dirty="0"/>
               <a:t>RandomForest</a:t>
             </a:r>
             <a:endParaRPr dirty="0"/>
@@ -12176,7 +12084,7 @@
               <a:buNone/>
             </a:pPr>
             <a:r>
-              <a:rPr lang="en" dirty="0" smtClean="0"/>
+              <a:rPr lang="en" dirty="0"/>
               <a:t>03</a:t>
             </a:r>
             <a:endParaRPr dirty="0"/>
@@ -12260,7 +12168,7 @@
               <a:buNone/>
             </a:pPr>
             <a:r>
-              <a:rPr lang="en" dirty="0" smtClean="0"/>
+              <a:rPr lang="en" dirty="0"/>
               <a:t>02</a:t>
             </a:r>
             <a:endParaRPr dirty="0"/>
@@ -12646,16 +12554,12 @@
           <a:p>
             <a:pPr algn="ctr"/>
             <a:r>
-              <a:rPr lang="en-US" sz="3000" dirty="0" smtClean="0">
+              <a:rPr lang="en-US" sz="3000" dirty="0">
                 <a:latin typeface="Arial" panose="020B0604020202020204" pitchFamily="34" charset="0"/>
                 <a:cs typeface="Arial" panose="020B0604020202020204" pitchFamily="34" charset="0"/>
               </a:rPr>
               <a:t>Các mô hình phân cụm dữ liệu</a:t>
             </a:r>
-            <a:endParaRPr lang="en-US" sz="3000" dirty="0">
-              <a:latin typeface="Arial" panose="020B0604020202020204" pitchFamily="34" charset="0"/>
-              <a:cs typeface="Arial" panose="020B0604020202020204" pitchFamily="34" charset="0"/>
-            </a:endParaRPr>
           </a:p>
         </p:txBody>
       </p:sp>
@@ -12933,10 +12837,9 @@
           </a:lstStyle>
           <a:p>
             <a:r>
-              <a:rPr lang="en-US" dirty="0" smtClean="0"/>
+              <a:rPr lang="en-US" dirty="0"/>
               <a:t>RandomForest</a:t>
             </a:r>
-            <a:endParaRPr lang="en-US" dirty="0"/>
           </a:p>
         </p:txBody>
       </p:sp>
@@ -13214,10 +13117,9 @@
           </a:lstStyle>
           <a:p>
             <a:r>
-              <a:rPr lang="en" dirty="0" smtClean="0"/>
+              <a:rPr lang="en" dirty="0"/>
               <a:t>05</a:t>
             </a:r>
-            <a:endParaRPr lang="en" dirty="0"/>
           </a:p>
         </p:txBody>
       </p:sp>
@@ -13609,7 +13511,7 @@
           <p:cNvPr id="11" name="Google Shape;1745;p44">
             <a:extLst>
               <a:ext uri="{FF2B5EF4-FFF2-40B4-BE49-F238E27FC236}">
-                <a16:creationId xmlns="" xmlns:a16="http://schemas.microsoft.com/office/drawing/2014/main" id="{FCF397B0-DE87-4403-7CC1-F721DC62BBA1}"/>
+                <a16:creationId xmlns:a16="http://schemas.microsoft.com/office/drawing/2014/main" id="{FCF397B0-DE87-4403-7CC1-F721DC62BBA1}"/>
               </a:ext>
             </a:extLst>
           </p:cNvPr>
@@ -13629,7 +13531,7 @@
             <p:cNvPr id="5" name="Google Shape;1746;p44">
               <a:extLst>
                 <a:ext uri="{FF2B5EF4-FFF2-40B4-BE49-F238E27FC236}">
-                  <a16:creationId xmlns="" xmlns:a16="http://schemas.microsoft.com/office/drawing/2014/main" id="{0E12E3FA-B317-1F6C-8BE6-9DE10762049C}"/>
+                  <a16:creationId xmlns:a16="http://schemas.microsoft.com/office/drawing/2014/main" id="{0E12E3FA-B317-1F6C-8BE6-9DE10762049C}"/>
                 </a:ext>
               </a:extLst>
             </p:cNvPr>
@@ -13679,7 +13581,7 @@
             <p:cNvPr id="6" name="Google Shape;1747;p44">
               <a:extLst>
                 <a:ext uri="{FF2B5EF4-FFF2-40B4-BE49-F238E27FC236}">
-                  <a16:creationId xmlns="" xmlns:a16="http://schemas.microsoft.com/office/drawing/2014/main" id="{109B52C2-4460-4A5F-898D-455637BF6E89}"/>
+                  <a16:creationId xmlns:a16="http://schemas.microsoft.com/office/drawing/2014/main" id="{109B52C2-4460-4A5F-898D-455637BF6E89}"/>
                 </a:ext>
               </a:extLst>
             </p:cNvPr>
@@ -13731,7 +13633,7 @@
             <p:cNvPr id="7" name="Google Shape;1748;p44">
               <a:extLst>
                 <a:ext uri="{FF2B5EF4-FFF2-40B4-BE49-F238E27FC236}">
-                  <a16:creationId xmlns="" xmlns:a16="http://schemas.microsoft.com/office/drawing/2014/main" id="{113674DA-2E6D-AF25-F539-8D5B409837F8}"/>
+                  <a16:creationId xmlns:a16="http://schemas.microsoft.com/office/drawing/2014/main" id="{113674DA-2E6D-AF25-F539-8D5B409837F8}"/>
                 </a:ext>
               </a:extLst>
             </p:cNvPr>
@@ -13751,7 +13653,7 @@
               <p:cNvPr id="9" name="Google Shape;1749;p44">
                 <a:extLst>
                   <a:ext uri="{FF2B5EF4-FFF2-40B4-BE49-F238E27FC236}">
-                    <a16:creationId xmlns="" xmlns:a16="http://schemas.microsoft.com/office/drawing/2014/main" id="{E182A65C-5213-AA59-68DA-D6EF061C8EDF}"/>
+                    <a16:creationId xmlns:a16="http://schemas.microsoft.com/office/drawing/2014/main" id="{E182A65C-5213-AA59-68DA-D6EF061C8EDF}"/>
                   </a:ext>
                 </a:extLst>
               </p:cNvPr>
@@ -13803,7 +13705,7 @@
               <p:cNvPr id="10" name="Google Shape;1750;p44">
                 <a:extLst>
                   <a:ext uri="{FF2B5EF4-FFF2-40B4-BE49-F238E27FC236}">
-                    <a16:creationId xmlns="" xmlns:a16="http://schemas.microsoft.com/office/drawing/2014/main" id="{62F44342-9E1F-1542-BD50-7E25D12B1BF2}"/>
+                    <a16:creationId xmlns:a16="http://schemas.microsoft.com/office/drawing/2014/main" id="{62F44342-9E1F-1542-BD50-7E25D12B1BF2}"/>
                   </a:ext>
                 </a:extLst>
               </p:cNvPr>
@@ -13917,7 +13819,7 @@
             <p:cNvPr id="8" name="Google Shape;1751;p44">
               <a:extLst>
                 <a:ext uri="{FF2B5EF4-FFF2-40B4-BE49-F238E27FC236}">
-                  <a16:creationId xmlns="" xmlns:a16="http://schemas.microsoft.com/office/drawing/2014/main" id="{C4EEF6AD-DABA-DE83-EB70-95C8C2AD9CCA}"/>
+                  <a16:creationId xmlns:a16="http://schemas.microsoft.com/office/drawing/2014/main" id="{C4EEF6AD-DABA-DE83-EB70-95C8C2AD9CCA}"/>
                 </a:ext>
               </a:extLst>
             </p:cNvPr>
@@ -13950,7 +13852,7 @@
           <p:cNvPr id="14" name="Hình ảnh 14" descr="Ảnh có chứa biểu đồ&#10;&#10;Mô tả được tự động tạo">
             <a:extLst>
               <a:ext uri="{FF2B5EF4-FFF2-40B4-BE49-F238E27FC236}">
-                <a16:creationId xmlns="" xmlns:a16="http://schemas.microsoft.com/office/drawing/2014/main" id="{3D4795C4-AC14-89CB-77CC-59C43329CA94}"/>
+                <a16:creationId xmlns:a16="http://schemas.microsoft.com/office/drawing/2014/main" id="{3D4795C4-AC14-89CB-77CC-59C43329CA94}"/>
               </a:ext>
             </a:extLst>
           </p:cNvPr>
@@ -15847,7 +15749,7 @@
           <p:cNvPr id="2" name="Google Shape;677;p34">
             <a:extLst>
               <a:ext uri="{FF2B5EF4-FFF2-40B4-BE49-F238E27FC236}">
-                <a16:creationId xmlns="" xmlns:a16="http://schemas.microsoft.com/office/drawing/2014/main" id="{4003CD10-E2B6-A349-4A1B-6519F0769003}"/>
+                <a16:creationId xmlns:a16="http://schemas.microsoft.com/office/drawing/2014/main" id="{4003CD10-E2B6-A349-4A1B-6519F0769003}"/>
               </a:ext>
             </a:extLst>
           </p:cNvPr>
@@ -15883,7 +15785,7 @@
           <p:cNvPr id="3" name="Google Shape;671;p34">
             <a:extLst>
               <a:ext uri="{FF2B5EF4-FFF2-40B4-BE49-F238E27FC236}">
-                <a16:creationId xmlns="" xmlns:a16="http://schemas.microsoft.com/office/drawing/2014/main" id="{60D1DA1D-0F59-C109-D964-66A8965F2F77}"/>
+                <a16:creationId xmlns:a16="http://schemas.microsoft.com/office/drawing/2014/main" id="{60D1DA1D-0F59-C109-D964-66A8965F2F77}"/>
               </a:ext>
             </a:extLst>
           </p:cNvPr>
@@ -15933,7 +15835,7 @@
           <p:cNvPr id="4" name="Google Shape;660;p34">
             <a:extLst>
               <a:ext uri="{FF2B5EF4-FFF2-40B4-BE49-F238E27FC236}">
-                <a16:creationId xmlns="" xmlns:a16="http://schemas.microsoft.com/office/drawing/2014/main" id="{8F8BB6E3-FA1F-8B91-4609-784CA505B7B9}"/>
+                <a16:creationId xmlns:a16="http://schemas.microsoft.com/office/drawing/2014/main" id="{8F8BB6E3-FA1F-8B91-4609-784CA505B7B9}"/>
               </a:ext>
             </a:extLst>
           </p:cNvPr>
@@ -15953,7 +15855,7 @@
             <p:cNvPr id="5" name="Google Shape;661;p34">
               <a:extLst>
                 <a:ext uri="{FF2B5EF4-FFF2-40B4-BE49-F238E27FC236}">
-                  <a16:creationId xmlns="" xmlns:a16="http://schemas.microsoft.com/office/drawing/2014/main" id="{9297D3E1-CE4F-299D-F0CF-EEA6242E845B}"/>
+                  <a16:creationId xmlns:a16="http://schemas.microsoft.com/office/drawing/2014/main" id="{9297D3E1-CE4F-299D-F0CF-EEA6242E845B}"/>
                 </a:ext>
               </a:extLst>
             </p:cNvPr>
@@ -16080,7 +15982,7 @@
             <p:cNvPr id="6" name="Google Shape;662;p34">
               <a:extLst>
                 <a:ext uri="{FF2B5EF4-FFF2-40B4-BE49-F238E27FC236}">
-                  <a16:creationId xmlns="" xmlns:a16="http://schemas.microsoft.com/office/drawing/2014/main" id="{798575D7-F257-C3BE-FE44-C344B0966C39}"/>
+                  <a16:creationId xmlns:a16="http://schemas.microsoft.com/office/drawing/2014/main" id="{798575D7-F257-C3BE-FE44-C344B0966C39}"/>
                 </a:ext>
               </a:extLst>
             </p:cNvPr>
@@ -16157,7 +16059,7 @@
           <p:cNvPr id="8" name="Google Shape;669;p34">
             <a:extLst>
               <a:ext uri="{FF2B5EF4-FFF2-40B4-BE49-F238E27FC236}">
-                <a16:creationId xmlns="" xmlns:a16="http://schemas.microsoft.com/office/drawing/2014/main" id="{01C8FFBF-B554-67AF-7DA7-92B1A57071CF}"/>
+                <a16:creationId xmlns:a16="http://schemas.microsoft.com/office/drawing/2014/main" id="{01C8FFBF-B554-67AF-7DA7-92B1A57071CF}"/>
               </a:ext>
             </a:extLst>
           </p:cNvPr>
@@ -16512,7 +16414,7 @@
           <p:cNvPr id="9" name="Google Shape;669;p34">
             <a:extLst>
               <a:ext uri="{FF2B5EF4-FFF2-40B4-BE49-F238E27FC236}">
-                <a16:creationId xmlns="" xmlns:a16="http://schemas.microsoft.com/office/drawing/2014/main" id="{C6265057-D81E-AC88-824E-D4D82527A4D5}"/>
+                <a16:creationId xmlns:a16="http://schemas.microsoft.com/office/drawing/2014/main" id="{C6265057-D81E-AC88-824E-D4D82527A4D5}"/>
               </a:ext>
             </a:extLst>
           </p:cNvPr>
@@ -17481,10 +17383,6 @@
           <a:lstStyle/>
           <a:p>
             <a:pPr algn="l"/>
-            <a:r>
-              <a:rPr lang="en" sz="2400" dirty="0"/>
-              <a:t/>
-            </a:r>
             <a:br>
               <a:rPr lang="en" sz="2400" dirty="0"/>
             </a:br>
@@ -17495,10 +17393,6 @@
             <a:r>
               <a:rPr lang="en-US" sz="2400" b="0" dirty="0"/>
               <a:t> tính khoảng cách , dựa vào nhãn các k điểm gần nhất để đưa ra dự đoán nhãn của điểm này </a:t>
-            </a:r>
-            <a:r>
-              <a:rPr lang="en-US" sz="2400" dirty="0"/>
-              <a:t/>
             </a:r>
             <a:br>
               <a:rPr lang="en-US" sz="2400" dirty="0"/>
@@ -17512,7 +17406,7 @@
           <p:cNvPr id="23" name="Google Shape;689;p35">
             <a:extLst>
               <a:ext uri="{FF2B5EF4-FFF2-40B4-BE49-F238E27FC236}">
-                <a16:creationId xmlns="" xmlns:a16="http://schemas.microsoft.com/office/drawing/2014/main" id="{0F5F9DC7-F6AB-B4F2-9D05-1C5600014DA5}"/>
+                <a16:creationId xmlns:a16="http://schemas.microsoft.com/office/drawing/2014/main" id="{0F5F9DC7-F6AB-B4F2-9D05-1C5600014DA5}"/>
               </a:ext>
             </a:extLst>
           </p:cNvPr>
@@ -17787,13 +17681,6 @@
           </a:lstStyle>
           <a:p>
             <a:pPr algn="l"/>
-            <a:r>
-              <a:rPr lang="en" sz="2400" dirty="0">
-                <a:latin typeface="Arial" panose="020B0604020202020204" pitchFamily="34" charset="0"/>
-                <a:cs typeface="Arial" panose="020B0604020202020204" pitchFamily="34" charset="0"/>
-              </a:rPr>
-              <a:t/>
-            </a:r>
             <a:br>
               <a:rPr lang="en" sz="2400" dirty="0">
                 <a:latin typeface="Arial" panose="020B0604020202020204" pitchFamily="34" charset="0"/>
@@ -18180,10 +18067,6 @@
           <a:lstStyle/>
           <a:p>
             <a:pPr algn="l"/>
-            <a:r>
-              <a:rPr lang="en" sz="2400" dirty="0"/>
-              <a:t/>
-            </a:r>
             <a:br>
               <a:rPr lang="en" sz="2400" dirty="0"/>
             </a:br>
@@ -18194,10 +18077,6 @@
             <a:r>
               <a:rPr lang="en-US" sz="2400" b="0" dirty="0"/>
               <a:t> tính khoảng cách , dựa vào nhãn các k điểm gần nhất để đưa ra dự đoán nhãn của điểm này </a:t>
-            </a:r>
-            <a:r>
-              <a:rPr lang="en-US" sz="2400" dirty="0"/>
-              <a:t/>
             </a:r>
             <a:br>
               <a:rPr lang="en-US" sz="2400" dirty="0"/>
@@ -18211,7 +18090,7 @@
           <p:cNvPr id="23" name="Google Shape;689;p35">
             <a:extLst>
               <a:ext uri="{FF2B5EF4-FFF2-40B4-BE49-F238E27FC236}">
-                <a16:creationId xmlns="" xmlns:a16="http://schemas.microsoft.com/office/drawing/2014/main" id="{0F5F9DC7-F6AB-B4F2-9D05-1C5600014DA5}"/>
+                <a16:creationId xmlns:a16="http://schemas.microsoft.com/office/drawing/2014/main" id="{0F5F9DC7-F6AB-B4F2-9D05-1C5600014DA5}"/>
               </a:ext>
             </a:extLst>
           </p:cNvPr>
@@ -18486,13 +18365,6 @@
           </a:lstStyle>
           <a:p>
             <a:pPr algn="l"/>
-            <a:r>
-              <a:rPr lang="en" sz="2400" dirty="0">
-                <a:latin typeface="Arial" panose="020B0604020202020204" pitchFamily="34" charset="0"/>
-                <a:cs typeface="Arial" panose="020B0604020202020204" pitchFamily="34" charset="0"/>
-              </a:rPr>
-              <a:t/>
-            </a:r>
             <a:br>
               <a:rPr lang="en" sz="2400" dirty="0">
                 <a:latin typeface="Arial" panose="020B0604020202020204" pitchFamily="34" charset="0"/>
@@ -19127,19 +18999,6 @@
                 <a:latin typeface="Arial Unicode MS"/>
               </a:rPr>
             </a:br>
-            <a:r>
-              <a:rPr kumimoji="0" lang="en-US" sz="1000" b="0" i="0" u="none" strike="noStrike" cap="none" normalizeH="0" baseline="0" dirty="0">
-                <a:ln>
-                  <a:noFill/>
-                </a:ln>
-                <a:solidFill>
-                  <a:srgbClr val="A9B7C6"/>
-                </a:solidFill>
-                <a:effectLst/>
-                <a:latin typeface="Arial Unicode MS"/>
-              </a:rPr>
-              <a:t/>
-            </a:r>
             <a:br>
               <a:rPr kumimoji="0" lang="en-US" sz="1000" b="0" i="0" u="none" strike="noStrike" cap="none" normalizeH="0" baseline="0" dirty="0">
                 <a:ln>
@@ -19202,19 +19061,6 @@
                 <a:latin typeface="Arial Unicode MS"/>
               </a:rPr>
             </a:br>
-            <a:r>
-              <a:rPr kumimoji="0" lang="en-US" sz="1000" b="0" i="0" u="none" strike="noStrike" cap="none" normalizeH="0" baseline="0" dirty="0">
-                <a:ln>
-                  <a:noFill/>
-                </a:ln>
-                <a:solidFill>
-                  <a:srgbClr val="A9B7C6"/>
-                </a:solidFill>
-                <a:effectLst/>
-                <a:latin typeface="Arial Unicode MS"/>
-              </a:rPr>
-              <a:t/>
-            </a:r>
             <a:br>
               <a:rPr kumimoji="0" lang="en-US" sz="1000" b="0" i="0" u="none" strike="noStrike" cap="none" normalizeH="0" baseline="0" dirty="0">
                 <a:ln>
@@ -19277,19 +19123,6 @@
                 <a:latin typeface="Arial Unicode MS"/>
               </a:rPr>
             </a:br>
-            <a:r>
-              <a:rPr kumimoji="0" lang="en-US" sz="1000" b="0" i="0" u="none" strike="noStrike" cap="none" normalizeH="0" baseline="0" dirty="0">
-                <a:ln>
-                  <a:noFill/>
-                </a:ln>
-                <a:solidFill>
-                  <a:srgbClr val="A9B7C6"/>
-                </a:solidFill>
-                <a:effectLst/>
-                <a:latin typeface="Arial Unicode MS"/>
-              </a:rPr>
-              <a:t/>
-            </a:r>
             <a:br>
               <a:rPr kumimoji="0" lang="en-US" sz="1000" b="0" i="0" u="none" strike="noStrike" cap="none" normalizeH="0" baseline="0" dirty="0">
                 <a:ln>
@@ -19352,19 +19185,6 @@
                 <a:latin typeface="Arial Unicode MS"/>
               </a:rPr>
             </a:br>
-            <a:r>
-              <a:rPr kumimoji="0" lang="en-US" sz="1000" b="0" i="0" u="none" strike="noStrike" cap="none" normalizeH="0" baseline="0" dirty="0">
-                <a:ln>
-                  <a:noFill/>
-                </a:ln>
-                <a:solidFill>
-                  <a:srgbClr val="A9B7C6"/>
-                </a:solidFill>
-                <a:effectLst/>
-                <a:latin typeface="Arial Unicode MS"/>
-              </a:rPr>
-              <a:t/>
-            </a:r>
             <a:br>
               <a:rPr kumimoji="0" lang="en-US" sz="1000" b="0" i="0" u="none" strike="noStrike" cap="none" normalizeH="0" baseline="0" dirty="0">
                 <a:ln>
@@ -19427,19 +19247,6 @@
                 <a:latin typeface="Arial Unicode MS"/>
               </a:rPr>
             </a:br>
-            <a:r>
-              <a:rPr kumimoji="0" lang="en-US" sz="1000" b="0" i="0" u="none" strike="noStrike" cap="none" normalizeH="0" baseline="0" dirty="0">
-                <a:ln>
-                  <a:noFill/>
-                </a:ln>
-                <a:solidFill>
-                  <a:srgbClr val="A9B7C6"/>
-                </a:solidFill>
-                <a:effectLst/>
-                <a:latin typeface="Arial Unicode MS"/>
-              </a:rPr>
-              <a:t/>
-            </a:r>
             <a:br>
               <a:rPr kumimoji="0" lang="en-US" sz="1000" b="0" i="0" u="none" strike="noStrike" cap="none" normalizeH="0" baseline="0" dirty="0">
                 <a:ln>
@@ -19528,19 +19335,6 @@
                 <a:latin typeface="Arial Unicode MS"/>
               </a:rPr>
             </a:br>
-            <a:r>
-              <a:rPr kumimoji="0" lang="en-US" sz="1000" b="0" i="0" u="none" strike="noStrike" cap="none" normalizeH="0" baseline="0" dirty="0">
-                <a:ln>
-                  <a:noFill/>
-                </a:ln>
-                <a:solidFill>
-                  <a:srgbClr val="A9B7C6"/>
-                </a:solidFill>
-                <a:effectLst/>
-                <a:latin typeface="Arial Unicode MS"/>
-              </a:rPr>
-              <a:t/>
-            </a:r>
             <a:br>
               <a:rPr kumimoji="0" lang="en-US" sz="1000" b="0" i="0" u="none" strike="noStrike" cap="none" normalizeH="0" baseline="0" dirty="0">
                 <a:ln>
@@ -19603,19 +19397,6 @@
                 <a:latin typeface="Arial Unicode MS"/>
               </a:rPr>
             </a:br>
-            <a:r>
-              <a:rPr kumimoji="0" lang="en-US" sz="1000" b="0" i="0" u="none" strike="noStrike" cap="none" normalizeH="0" baseline="0" dirty="0">
-                <a:ln>
-                  <a:noFill/>
-                </a:ln>
-                <a:solidFill>
-                  <a:srgbClr val="A9B7C6"/>
-                </a:solidFill>
-                <a:effectLst/>
-                <a:latin typeface="Arial Unicode MS"/>
-              </a:rPr>
-              <a:t/>
-            </a:r>
             <a:br>
               <a:rPr kumimoji="0" lang="en-US" sz="1000" b="0" i="0" u="none" strike="noStrike" cap="none" normalizeH="0" baseline="0" dirty="0">
                 <a:ln>
@@ -20428,7 +20209,7 @@
           <p:cNvPr id="23" name="Google Shape;689;p35">
             <a:extLst>
               <a:ext uri="{FF2B5EF4-FFF2-40B4-BE49-F238E27FC236}">
-                <a16:creationId xmlns="" xmlns:a16="http://schemas.microsoft.com/office/drawing/2014/main" id="{0F5F9DC7-F6AB-B4F2-9D05-1C5600014DA5}"/>
+                <a16:creationId xmlns:a16="http://schemas.microsoft.com/office/drawing/2014/main" id="{0F5F9DC7-F6AB-B4F2-9D05-1C5600014DA5}"/>
               </a:ext>
             </a:extLst>
           </p:cNvPr>
@@ -20703,13 +20484,6 @@
           </a:lstStyle>
           <a:p>
             <a:pPr algn="l"/>
-            <a:r>
-              <a:rPr lang="en" sz="1600" dirty="0">
-                <a:latin typeface="Arial" panose="020B0604020202020204" pitchFamily="34" charset="0"/>
-                <a:cs typeface="Arial" panose="020B0604020202020204" pitchFamily="34" charset="0"/>
-              </a:rPr>
-              <a:t/>
-            </a:r>
             <a:br>
               <a:rPr lang="en" sz="1600" dirty="0">
                 <a:latin typeface="Arial" panose="020B0604020202020204" pitchFamily="34" charset="0"/>
@@ -20755,7 +20529,7 @@
           <p:cNvPr id="2" name="Hình ảnh 2" descr="Ảnh có chứa danh thiếp&#10;&#10;Mô tả được tự động tạo">
             <a:extLst>
               <a:ext uri="{FF2B5EF4-FFF2-40B4-BE49-F238E27FC236}">
-                <a16:creationId xmlns="" xmlns:a16="http://schemas.microsoft.com/office/drawing/2014/main" id="{A14AD074-8456-A09E-1C18-1B71F3BFF246}"/>
+                <a16:creationId xmlns:a16="http://schemas.microsoft.com/office/drawing/2014/main" id="{A14AD074-8456-A09E-1C18-1B71F3BFF246}"/>
               </a:ext>
             </a:extLst>
           </p:cNvPr>
@@ -20785,7 +20559,7 @@
           <p:cNvPr id="6" name="TextBox 5">
             <a:extLst>
               <a:ext uri="{FF2B5EF4-FFF2-40B4-BE49-F238E27FC236}">
-                <a16:creationId xmlns="" xmlns:a16="http://schemas.microsoft.com/office/drawing/2014/main" id="{91FF9DB5-11DA-12D8-0D88-E3209AB3567A}"/>
+                <a16:creationId xmlns:a16="http://schemas.microsoft.com/office/drawing/2014/main" id="{91FF9DB5-11DA-12D8-0D88-E3209AB3567A}"/>
               </a:ext>
             </a:extLst>
           </p:cNvPr>
@@ -20895,7 +20669,7 @@
           <p:cNvPr id="2" name="Hình ảnh 2" descr="Ảnh có chứa danh thiếp&#10;&#10;Mô tả được tự động tạo">
             <a:extLst>
               <a:ext uri="{FF2B5EF4-FFF2-40B4-BE49-F238E27FC236}">
-                <a16:creationId xmlns="" xmlns:a16="http://schemas.microsoft.com/office/drawing/2014/main" id="{A14AD074-8456-A09E-1C18-1B71F3BFF246}"/>
+                <a16:creationId xmlns:a16="http://schemas.microsoft.com/office/drawing/2014/main" id="{A14AD074-8456-A09E-1C18-1B71F3BFF246}"/>
               </a:ext>
             </a:extLst>
           </p:cNvPr>
@@ -20925,7 +20699,7 @@
           <p:cNvPr id="4" name="Title 3">
             <a:extLst>
               <a:ext uri="{FF2B5EF4-FFF2-40B4-BE49-F238E27FC236}">
-                <a16:creationId xmlns="" xmlns:a16="http://schemas.microsoft.com/office/drawing/2014/main" id="{D0DC6004-5CF3-03C1-798E-E1CBFD1FE20E}"/>
+                <a16:creationId xmlns:a16="http://schemas.microsoft.com/office/drawing/2014/main" id="{D0DC6004-5CF3-03C1-798E-E1CBFD1FE20E}"/>
               </a:ext>
             </a:extLst>
           </p:cNvPr>
@@ -21121,7 +20895,7 @@
           <p:cNvPr id="6" name="Title 5">
             <a:extLst>
               <a:ext uri="{FF2B5EF4-FFF2-40B4-BE49-F238E27FC236}">
-                <a16:creationId xmlns="" xmlns:a16="http://schemas.microsoft.com/office/drawing/2014/main" id="{B9F5D8EF-3907-B3E3-9CE0-DA48DE6AAE69}"/>
+                <a16:creationId xmlns:a16="http://schemas.microsoft.com/office/drawing/2014/main" id="{B9F5D8EF-3907-B3E3-9CE0-DA48DE6AAE69}"/>
               </a:ext>
             </a:extLst>
           </p:cNvPr>
@@ -21146,7 +20920,7 @@
           <p:cNvPr id="1026" name="Picture 2">
             <a:extLst>
               <a:ext uri="{FF2B5EF4-FFF2-40B4-BE49-F238E27FC236}">
-                <a16:creationId xmlns="" xmlns:a16="http://schemas.microsoft.com/office/drawing/2014/main" id="{C2BFB369-E8B9-6BEA-C9BA-387D519746AA}"/>
+                <a16:creationId xmlns:a16="http://schemas.microsoft.com/office/drawing/2014/main" id="{C2BFB369-E8B9-6BEA-C9BA-387D519746AA}"/>
               </a:ext>
             </a:extLst>
           </p:cNvPr>
@@ -21256,7 +21030,7 @@
           <p:cNvPr id="2" name="Hình ảnh 2" descr="Ảnh có chứa danh thiếp&#10;&#10;Mô tả được tự động tạo">
             <a:extLst>
               <a:ext uri="{FF2B5EF4-FFF2-40B4-BE49-F238E27FC236}">
-                <a16:creationId xmlns="" xmlns:a16="http://schemas.microsoft.com/office/drawing/2014/main" id="{A14AD074-8456-A09E-1C18-1B71F3BFF246}"/>
+                <a16:creationId xmlns:a16="http://schemas.microsoft.com/office/drawing/2014/main" id="{A14AD074-8456-A09E-1C18-1B71F3BFF246}"/>
               </a:ext>
             </a:extLst>
           </p:cNvPr>
@@ -21286,7 +21060,7 @@
           <p:cNvPr id="4" name="Title 3">
             <a:extLst>
               <a:ext uri="{FF2B5EF4-FFF2-40B4-BE49-F238E27FC236}">
-                <a16:creationId xmlns="" xmlns:a16="http://schemas.microsoft.com/office/drawing/2014/main" id="{D0DC6004-5CF3-03C1-798E-E1CBFD1FE20E}"/>
+                <a16:creationId xmlns:a16="http://schemas.microsoft.com/office/drawing/2014/main" id="{D0DC6004-5CF3-03C1-798E-E1CBFD1FE20E}"/>
               </a:ext>
             </a:extLst>
           </p:cNvPr>
@@ -21329,7 +21103,7 @@
           <p:cNvPr id="6" name="Title 5">
             <a:extLst>
               <a:ext uri="{FF2B5EF4-FFF2-40B4-BE49-F238E27FC236}">
-                <a16:creationId xmlns="" xmlns:a16="http://schemas.microsoft.com/office/drawing/2014/main" id="{B9F5D8EF-3907-B3E3-9CE0-DA48DE6AAE69}"/>
+                <a16:creationId xmlns:a16="http://schemas.microsoft.com/office/drawing/2014/main" id="{B9F5D8EF-3907-B3E3-9CE0-DA48DE6AAE69}"/>
               </a:ext>
             </a:extLst>
           </p:cNvPr>
@@ -21354,7 +21128,7 @@
           <p:cNvPr id="4098" name="Picture 2">
             <a:extLst>
               <a:ext uri="{FF2B5EF4-FFF2-40B4-BE49-F238E27FC236}">
-                <a16:creationId xmlns="" xmlns:a16="http://schemas.microsoft.com/office/drawing/2014/main" id="{047E3DE6-7EDB-F9BF-1C9F-0401F65442B5}"/>
+                <a16:creationId xmlns:a16="http://schemas.microsoft.com/office/drawing/2014/main" id="{047E3DE6-7EDB-F9BF-1C9F-0401F65442B5}"/>
               </a:ext>
             </a:extLst>
           </p:cNvPr>
@@ -21452,7 +21226,7 @@
           <a:lstStyle/>
           <a:p>
             <a:r>
-              <a:rPr lang="en" dirty="0" smtClean="0"/>
+              <a:rPr lang="en" dirty="0"/>
               <a:t>Thống kê hiệu xuất nhận diện</a:t>
             </a:r>
             <a:endParaRPr lang="vi-VN" dirty="0"/>
@@ -21464,7 +21238,7 @@
           <p:cNvPr id="2" name="Hình ảnh 2" descr="Ảnh có chứa danh thiếp&#10;&#10;Mô tả được tự động tạo">
             <a:extLst>
               <a:ext uri="{FF2B5EF4-FFF2-40B4-BE49-F238E27FC236}">
-                <a16:creationId xmlns="" xmlns:a16="http://schemas.microsoft.com/office/drawing/2014/main" id="{A14AD074-8456-A09E-1C18-1B71F3BFF246}"/>
+                <a16:creationId xmlns:a16="http://schemas.microsoft.com/office/drawing/2014/main" id="{A14AD074-8456-A09E-1C18-1B71F3BFF246}"/>
               </a:ext>
             </a:extLst>
           </p:cNvPr>
@@ -21569,7 +21343,7 @@
           <a:lstStyle/>
           <a:p>
             <a:r>
-              <a:rPr lang="en" dirty="0" smtClean="0"/>
+              <a:rPr lang="en" dirty="0"/>
               <a:t>Thống kê hiệu xuất nhận diện</a:t>
             </a:r>
             <a:endParaRPr lang="vi-VN" dirty="0"/>
@@ -21581,7 +21355,7 @@
           <p:cNvPr id="2" name="Hình ảnh 2" descr="Ảnh có chứa danh thiếp&#10;&#10;Mô tả được tự động tạo">
             <a:extLst>
               <a:ext uri="{FF2B5EF4-FFF2-40B4-BE49-F238E27FC236}">
-                <a16:creationId xmlns="" xmlns:a16="http://schemas.microsoft.com/office/drawing/2014/main" id="{A14AD074-8456-A09E-1C18-1B71F3BFF246}"/>
+                <a16:creationId xmlns:a16="http://schemas.microsoft.com/office/drawing/2014/main" id="{A14AD074-8456-A09E-1C18-1B71F3BFF246}"/>
               </a:ext>
             </a:extLst>
           </p:cNvPr>
@@ -21695,7 +21469,7 @@
               <a:buNone/>
             </a:pPr>
             <a:r>
-              <a:rPr lang="en-US" dirty="0" smtClean="0"/>
+              <a:rPr lang="en-US" dirty="0"/>
               <a:t>Tập dữ liệu train</a:t>
             </a:r>
             <a:endParaRPr dirty="0"/>
@@ -21782,7 +21556,7 @@
           <a:lstStyle/>
           <a:p>
             <a:r>
-              <a:rPr lang="en" dirty="0" smtClean="0"/>
+              <a:rPr lang="en" dirty="0"/>
               <a:t>Thống kê hiệu xuất nhận diện</a:t>
             </a:r>
             <a:endParaRPr lang="vi-VN" dirty="0"/>
@@ -21794,7 +21568,7 @@
           <p:cNvPr id="2" name="Hình ảnh 2" descr="Ảnh có chứa danh thiếp&#10;&#10;Mô tả được tự động tạo">
             <a:extLst>
               <a:ext uri="{FF2B5EF4-FFF2-40B4-BE49-F238E27FC236}">
-                <a16:creationId xmlns="" xmlns:a16="http://schemas.microsoft.com/office/drawing/2014/main" id="{A14AD074-8456-A09E-1C18-1B71F3BFF246}"/>
+                <a16:creationId xmlns:a16="http://schemas.microsoft.com/office/drawing/2014/main" id="{A14AD074-8456-A09E-1C18-1B71F3BFF246}"/>
               </a:ext>
             </a:extLst>
           </p:cNvPr>
@@ -21894,10 +21668,9 @@
           <a:lstStyle/>
           <a:p>
             <a:r>
-              <a:rPr lang="en-US" dirty="0" smtClean="0"/>
+              <a:rPr lang="en-US" dirty="0"/>
               <a:t>Kết luận</a:t>
             </a:r>
-            <a:endParaRPr lang="en-US" dirty="0"/>
           </a:p>
         </p:txBody>
       </p:sp>
@@ -21924,7 +21697,7 @@
           <a:lstStyle/>
           <a:p>
             <a:r>
-              <a:rPr lang="en-US" sz="2000" dirty="0" smtClean="0">
+              <a:rPr lang="en-US" sz="2000" dirty="0">
                 <a:solidFill>
                   <a:schemeClr val="tx2"/>
                 </a:solidFill>
@@ -21933,7 +21706,7 @@
             </a:r>
           </a:p>
           <a:p>
-            <a:endParaRPr lang="en-US" sz="2000" dirty="0" smtClean="0">
+            <a:endParaRPr lang="en-US" sz="2000" dirty="0">
               <a:solidFill>
                 <a:schemeClr val="tx2"/>
               </a:solidFill>
@@ -21941,7 +21714,7 @@
           </a:p>
           <a:p>
             <a:r>
-              <a:rPr lang="en-US" sz="2000" dirty="0" smtClean="0">
+              <a:rPr lang="en-US" sz="2000" dirty="0">
                 <a:solidFill>
                   <a:schemeClr val="tx2"/>
                 </a:solidFill>
@@ -21951,7 +21724,7 @@
           </a:p>
           <a:p>
             <a:r>
-              <a:rPr lang="en-US" sz="2000" dirty="0" smtClean="0">
+              <a:rPr lang="en-US" sz="2000" dirty="0">
                 <a:solidFill>
                   <a:schemeClr val="tx2"/>
                 </a:solidFill>
@@ -21960,7 +21733,7 @@
             </a:r>
           </a:p>
           <a:p>
-            <a:endParaRPr lang="en-US" sz="2000" dirty="0" smtClean="0">
+            <a:endParaRPr lang="en-US" sz="2000" dirty="0">
               <a:solidFill>
                 <a:schemeClr val="tx2"/>
               </a:solidFill>
@@ -21968,7 +21741,7 @@
           </a:p>
           <a:p>
             <a:r>
-              <a:rPr lang="en-US" sz="2000" dirty="0" smtClean="0">
+              <a:rPr lang="en-US" sz="2000" dirty="0">
                 <a:solidFill>
                   <a:schemeClr val="tx2"/>
                 </a:solidFill>
@@ -21978,7 +21751,7 @@
           </a:p>
           <a:p>
             <a:r>
-              <a:rPr lang="en-US" sz="2000" dirty="0" smtClean="0">
+              <a:rPr lang="en-US" sz="2000" dirty="0">
                 <a:solidFill>
                   <a:schemeClr val="tx2"/>
                 </a:solidFill>
@@ -22050,10 +21823,9 @@
           <a:lstStyle/>
           <a:p>
             <a:r>
-              <a:rPr lang="en-US" dirty="0" smtClean="0"/>
+              <a:rPr lang="en-US" dirty="0"/>
               <a:t>Tài liệu tham khảo:</a:t>
             </a:r>
-            <a:endParaRPr lang="en-US" dirty="0"/>
           </a:p>
         </p:txBody>
       </p:sp>
@@ -22080,7 +21852,7 @@
           <a:lstStyle/>
           <a:p>
             <a:r>
-              <a:rPr lang="en-US" dirty="0" smtClean="0">
+              <a:rPr lang="en-US" dirty="0">
                 <a:solidFill>
                   <a:schemeClr val="tx2"/>
                 </a:solidFill>
@@ -22089,7 +21861,7 @@
             </a:r>
           </a:p>
           <a:p>
-            <a:endParaRPr lang="en-US" dirty="0" smtClean="0">
+            <a:endParaRPr lang="en-US" dirty="0">
               <a:solidFill>
                 <a:schemeClr val="tx2"/>
               </a:solidFill>
@@ -22106,7 +21878,7 @@
               <a:t>https://minhng.info/tutorials/local-binary-patterns-lbp-opencv.html#:~:text=Local%20Binary%20Patterns%20(hay%20c%C3%B2n,m%C3%A1y%20%C4%91%E1%BB%83%20h%E1%BB%8Dc%20%2F%20ph%C3%A2n%20lo%E1%BA%A1i</a:t>
             </a:r>
             <a:r>
-              <a:rPr lang="en-US" u="sng" dirty="0" smtClean="0">
+              <a:rPr lang="en-US" u="sng" dirty="0">
                 <a:solidFill>
                   <a:schemeClr val="tx2"/>
                 </a:solidFill>
@@ -22115,7 +21887,7 @@
             </a:r>
           </a:p>
           <a:p>
-            <a:endParaRPr lang="en-US" u="sng" dirty="0" smtClean="0">
+            <a:endParaRPr lang="en-US" u="sng" dirty="0">
               <a:solidFill>
                 <a:schemeClr val="tx2"/>
               </a:solidFill>
@@ -22123,7 +21895,7 @@
           </a:p>
           <a:p>
             <a:r>
-              <a:rPr lang="en-US" dirty="0" smtClean="0">
+              <a:rPr lang="en-US" dirty="0">
                 <a:solidFill>
                   <a:schemeClr val="tx2"/>
                 </a:solidFill>
@@ -22132,7 +21904,7 @@
             </a:r>
           </a:p>
           <a:p>
-            <a:endParaRPr lang="en-US" dirty="0" smtClean="0">
+            <a:endParaRPr lang="en-US" dirty="0">
               <a:solidFill>
                 <a:schemeClr val="tx2"/>
               </a:solidFill>
@@ -22146,18 +21918,9 @@
                 </a:solidFill>
                 <a:hlinkClick r:id="rId3"/>
               </a:rPr>
-              <a:t>https://</a:t>
-            </a:r>
-            <a:r>
-              <a:rPr lang="en-US" u="sng" dirty="0" smtClean="0">
-                <a:solidFill>
-                  <a:schemeClr val="tx2"/>
-                </a:solidFill>
-                <a:hlinkClick r:id="rId3"/>
-              </a:rPr>
-              <a:t>viblo.asia/p/tim-hieu-ve-phuong-phap-mo-ta-dac-trung-hog-histogram-of-oriented-gradients-V3m5WAwxZO7</a:t>
-            </a:r>
-            <a:endParaRPr lang="en-US" u="sng" dirty="0" smtClean="0">
+              <a:t>https://viblo.asia/p/tim-hieu-ve-phuong-phap-mo-ta-dac-trung-hog-histogram-of-oriented-gradients-V3m5WAwxZO7</a:t>
+            </a:r>
+            <a:endParaRPr lang="en-US" u="sng" dirty="0">
               <a:solidFill>
                 <a:schemeClr val="tx2"/>
               </a:solidFill>
@@ -22172,7 +21935,7 @@
           </a:p>
           <a:p>
             <a:r>
-              <a:rPr lang="en-US" dirty="0" smtClean="0">
+              <a:rPr lang="en-US" dirty="0">
                 <a:solidFill>
                   <a:schemeClr val="tx2"/>
                 </a:solidFill>
@@ -22189,18 +21952,13 @@
           </a:p>
           <a:p>
             <a:r>
-              <a:rPr lang="en-US" u="sng" dirty="0" smtClean="0">
+              <a:rPr lang="en-US" u="sng" dirty="0">
                 <a:solidFill>
                   <a:schemeClr val="tx2"/>
                 </a:solidFill>
               </a:rPr>
               <a:t>Tài liệu học tập môn KHDL, Trí tuệ nhân tạo</a:t>
             </a:r>
-            <a:endParaRPr lang="en-US" u="sng" dirty="0">
-              <a:solidFill>
-                <a:schemeClr val="tx2"/>
-              </a:solidFill>
-            </a:endParaRPr>
           </a:p>
         </p:txBody>
       </p:sp>
@@ -22269,7 +22027,7 @@
               <a:buNone/>
             </a:pPr>
             <a:r>
-              <a:rPr lang="en-US" dirty="0" smtClean="0"/>
+              <a:rPr lang="en-US" dirty="0"/>
               <a:t>Tập dữ liệu test</a:t>
             </a:r>
             <a:endParaRPr dirty="0"/>
@@ -22365,7 +22123,7 @@
               <a:buNone/>
             </a:pPr>
             <a:r>
-              <a:rPr lang="en-US" dirty="0" smtClean="0"/>
+              <a:rPr lang="en-US" dirty="0"/>
               <a:t>Tập dữ liệu test</a:t>
             </a:r>
             <a:endParaRPr dirty="0"/>
@@ -22461,7 +22219,7 @@
               <a:buNone/>
             </a:pPr>
             <a:r>
-              <a:rPr lang="en-US" dirty="0" smtClean="0"/>
+              <a:rPr lang="en-US" dirty="0"/>
               <a:t>Mô hình chung cho các bài toán học máy</a:t>
             </a:r>
             <a:endParaRPr dirty="0"/>
@@ -22606,54 +22364,9 @@
               <a:buNone/>
             </a:pPr>
             <a:r>
-              <a:rPr lang="en-US" sz="2000" dirty="0" smtClean="0"/>
-              <a:t>Trích xuất đặc trưng: Hai mô hình đơn giản trong xử lí ảnh và nhận dạng đối tượng được sử dụng là </a:t>
-            </a:r>
-            <a:r>
-              <a:rPr lang="en-US" sz="2000" dirty="0" smtClean="0"/>
-              <a:t>LBP (</a:t>
-            </a:r>
-            <a:r>
-              <a:rPr lang="en-US" sz="2000" dirty="0" smtClean="0"/>
-              <a:t>Local </a:t>
-            </a:r>
-            <a:r>
               <a:rPr lang="en-US" sz="2000" dirty="0"/>
-              <a:t>Binary </a:t>
-            </a:r>
-            <a:r>
-              <a:rPr lang="en-US" sz="2000" dirty="0" smtClean="0"/>
-              <a:t>Patterns)</a:t>
-            </a:r>
-            <a:r>
-              <a:rPr lang="en-US" sz="2000" dirty="0" smtClean="0"/>
-              <a:t> </a:t>
-            </a:r>
-            <a:r>
-              <a:rPr lang="en-US" sz="2000" dirty="0" smtClean="0"/>
-              <a:t>và </a:t>
-            </a:r>
-            <a:r>
-              <a:rPr lang="en-US" sz="2000" dirty="0" smtClean="0"/>
-              <a:t>HoG (</a:t>
-            </a:r>
-            <a:r>
-              <a:rPr lang="en-US" sz="2000" dirty="0" smtClean="0"/>
-              <a:t>Histogram </a:t>
-            </a:r>
-            <a:r>
-              <a:rPr lang="en-US" sz="2000" dirty="0"/>
-              <a:t>of Oriented </a:t>
-            </a:r>
-            <a:r>
-              <a:rPr lang="en-US" sz="2000" dirty="0" smtClean="0"/>
-              <a:t>Gradients)</a:t>
-            </a:r>
-            <a:r>
-              <a:rPr lang="en-US" sz="2000" dirty="0" smtClean="0"/>
-              <a:t>. </a:t>
-            </a:r>
-            <a:endParaRPr lang="en-US" sz="2000" dirty="0" smtClean="0"/>
+              <a:t>Trích xuất đặc trưng: Hai mô hình đơn giản trong xử lí ảnh và nhận dạng đối tượng được sử dụng là LBP (Local Binary Patterns) và HoG (Histogram of Oriented Gradients). </a:t>
+            </a:r>
           </a:p>
           <a:p>
             <a:pPr marL="501650" indent="-342900">
@@ -22805,7 +22518,7 @@
               <a:buNone/>
             </a:pPr>
             <a:r>
-              <a:rPr lang="en-US" sz="2000" dirty="0" smtClean="0"/>
+              <a:rPr lang="en-US" sz="2000" dirty="0"/>
               <a:t>Đối với mỗi mô hình ta thực hiện các phương pháp tiền xử lí dữ liệu khác nhau: </a:t>
             </a:r>
           </a:p>
@@ -22814,23 +22527,15 @@
               <a:buNone/>
             </a:pPr>
             <a:r>
-              <a:rPr lang="en-US" sz="2000" dirty="0" smtClean="0"/>
+              <a:rPr lang="en-US" sz="2000" dirty="0"/>
               <a:t>- </a:t>
             </a:r>
             <a:r>
-              <a:rPr lang="vi-VN" sz="2000" dirty="0" smtClean="0"/>
-              <a:t>Chuyển </a:t>
-            </a:r>
-            <a:r>
               <a:rPr lang="vi-VN" sz="2000" dirty="0"/>
-              <a:t>đổi định dạng dữ liệu (gray scale</a:t>
-            </a:r>
-            <a:r>
-              <a:rPr lang="vi-VN" sz="2000" dirty="0" smtClean="0"/>
-              <a:t>)</a:t>
-            </a:r>
-            <a:r>
-              <a:rPr lang="en-US" sz="2000" dirty="0" smtClean="0"/>
+              <a:t>Chuyển đổi định dạng dữ liệu (gray scale)</a:t>
+            </a:r>
+            <a:r>
+              <a:rPr lang="en-US" sz="2000" dirty="0"/>
               <a:t>: Vì màu sắc không quyết định đến đặc trưng được trích xuất từ các mô hình LBP, HoG, nên chiều màu sắc sẽ bị loại bỏ trở thành ảnh trắng đen. </a:t>
             </a:r>
             <a:endParaRPr lang="vi-VN" sz="2000" dirty="0"/>
@@ -22840,48 +22545,16 @@
               <a:buNone/>
             </a:pPr>
             <a:r>
-              <a:rPr lang="en-US" sz="2000" dirty="0" smtClean="0"/>
+              <a:rPr lang="en-US" sz="2000" dirty="0"/>
               <a:t>- </a:t>
             </a:r>
             <a:r>
-              <a:rPr lang="vi-VN" sz="2000" dirty="0" smtClean="0"/>
-              <a:t>Loại </a:t>
-            </a:r>
-            <a:r>
               <a:rPr lang="vi-VN" sz="2000" dirty="0"/>
-              <a:t>bỏ nhiễu (xử lí ngoại lệ</a:t>
-            </a:r>
-            <a:r>
-              <a:rPr lang="vi-VN" sz="2000" dirty="0" smtClean="0"/>
-              <a:t>)</a:t>
-            </a:r>
-            <a:r>
-              <a:rPr lang="en-US" sz="2000" dirty="0" smtClean="0"/>
-              <a:t>: Sử dụng các phương pháp loại bỏ nhiễu như </a:t>
+              <a:t>Loại bỏ nhiễu (xử lí ngoại lệ)</a:t>
             </a:r>
             <a:r>
               <a:rPr lang="en-US" sz="2000" dirty="0"/>
-              <a:t>Gaussian </a:t>
-            </a:r>
-            <a:r>
-              <a:rPr lang="en-US" sz="2000" dirty="0" smtClean="0"/>
-              <a:t>Blur, </a:t>
-            </a:r>
-            <a:r>
-              <a:rPr lang="en-US" sz="2000" dirty="0"/>
-              <a:t>Median </a:t>
-            </a:r>
-            <a:r>
-              <a:rPr lang="en-US" sz="2000" dirty="0" smtClean="0"/>
-              <a:t>Blur, </a:t>
-            </a:r>
-            <a:r>
-              <a:rPr lang="en-US" sz="2000" dirty="0"/>
-              <a:t>Bilateral </a:t>
-            </a:r>
-            <a:r>
-              <a:rPr lang="en-US" sz="2000" dirty="0" smtClean="0"/>
-              <a:t>Filtering. </a:t>
+              <a:t>: Sử dụng các phương pháp loại bỏ nhiễu như Gaussian Blur, Median Blur, Bilateral Filtering. </a:t>
             </a:r>
           </a:p>
           <a:p>
@@ -22889,24 +22562,16 @@
               <a:buNone/>
             </a:pPr>
             <a:r>
-              <a:rPr lang="en-US" sz="2000" dirty="0" smtClean="0"/>
+              <a:rPr lang="en-US" sz="2000" dirty="0"/>
               <a:t>- </a:t>
             </a:r>
             <a:r>
-              <a:rPr lang="vi-VN" sz="2000" dirty="0" smtClean="0"/>
-              <a:t>Chuẩn </a:t>
-            </a:r>
-            <a:r>
               <a:rPr lang="vi-VN" sz="2000" dirty="0"/>
-              <a:t>hóa dữ liệu</a:t>
+              <a:t>Chuẩn hóa dữ liệu</a:t>
             </a:r>
             <a:r>
               <a:rPr lang="en-US" sz="2000" dirty="0"/>
-              <a:t>: </a:t>
-            </a:r>
-            <a:r>
-              <a:rPr lang="en-US" sz="2000" dirty="0" smtClean="0"/>
-              <a:t>Hiện tại màu sắc của các bức ảnh sẽ là trắng đen tuy nhiên mức độ đậm nhạt chưa thống nhất nên sẽ chuẩn hóa mức độ đậm nhạt về mức min max (min: trắng , max: đen) </a:t>
+              <a:t>: Hiện tại màu sắc của các bức ảnh sẽ là trắng đen tuy nhiên mức độ đậm nhạt chưa thống nhất nên sẽ chuẩn hóa mức độ đậm nhạt về mức min max (min: trắng , max: đen) </a:t>
             </a:r>
             <a:endParaRPr lang="vi-VN" sz="2000" dirty="0"/>
           </a:p>
@@ -23043,18 +22708,13 @@
               <a:buChar char="§"/>
             </a:pPr>
             <a:r>
-              <a:rPr lang="en-US" sz="1800" dirty="0" smtClean="0">
+              <a:rPr lang="en-US" sz="1800" dirty="0">
                 <a:solidFill>
                   <a:schemeClr val="tx2"/>
                 </a:solidFill>
               </a:rPr>
               <a:t>Đọc ra với hệ màu trắng đen: </a:t>
             </a:r>
-            <a:endParaRPr lang="en-US" sz="1800" dirty="0">
-              <a:solidFill>
-                <a:schemeClr val="tx2"/>
-              </a:solidFill>
-            </a:endParaRPr>
           </a:p>
           <a:p>
             <a:pPr>
@@ -23068,37 +22728,8 @@
                   <a:schemeClr val="tx2"/>
                 </a:solidFill>
               </a:rPr>
-              <a:t>Hiện tại </a:t>
-            </a:r>
-            <a:r>
-              <a:rPr lang="en-US" sz="1800" dirty="0" smtClean="0">
-                <a:solidFill>
-                  <a:schemeClr val="tx2"/>
-                </a:solidFill>
-              </a:rPr>
-              <a:t>đọc ra hệ </a:t>
-            </a:r>
-            <a:r>
-              <a:rPr lang="en-US" sz="1800" dirty="0">
-                <a:solidFill>
-                  <a:schemeClr val="tx2"/>
-                </a:solidFill>
-              </a:rPr>
-              <a:t>màu </a:t>
-            </a:r>
-            <a:r>
-              <a:rPr lang="en-US" sz="1800" dirty="0" smtClean="0">
-                <a:solidFill>
-                  <a:schemeClr val="tx2"/>
-                </a:solidFill>
-              </a:rPr>
-              <a:t>cv2.IMREAD_GRAYSCALE</a:t>
-            </a:r>
-            <a:endParaRPr lang="en-US" sz="1800" dirty="0">
-              <a:solidFill>
-                <a:schemeClr val="tx2"/>
-              </a:solidFill>
-            </a:endParaRPr>
+              <a:t>Hiện tại đọc ra hệ màu cv2.IMREAD_GRAYSCALE</a:t>
+            </a:r>
           </a:p>
           <a:p>
             <a:pPr marL="285750" indent="-285750">
@@ -23176,39 +22807,7 @@
                   <a:schemeClr val="tx2"/>
                 </a:solidFill>
               </a:rPr>
-              <a:t>Hiện tại chọn được kích thước là </a:t>
-            </a:r>
-            <a:r>
-              <a:rPr lang="en-US" sz="1800" dirty="0" smtClean="0">
-                <a:solidFill>
-                  <a:schemeClr val="tx2"/>
-                </a:solidFill>
-              </a:rPr>
-              <a:t>64*64 </a:t>
-            </a:r>
-            <a:r>
-              <a:rPr lang="en-US" sz="1800" dirty="0" smtClean="0">
-                <a:solidFill>
-                  <a:schemeClr val="tx2"/>
-                </a:solidFill>
-              </a:rPr>
-              <a:t>cho </a:t>
-            </a:r>
-            <a:r>
-              <a:rPr lang="en-US" sz="1800" dirty="0">
-                <a:solidFill>
-                  <a:schemeClr val="tx2"/>
-                </a:solidFill>
-              </a:rPr>
-              <a:t>mỗi khuôn </a:t>
-            </a:r>
-            <a:r>
-              <a:rPr lang="en-US" sz="1800" dirty="0" smtClean="0">
-                <a:solidFill>
-                  <a:schemeClr val="tx2"/>
-                </a:solidFill>
-              </a:rPr>
-              <a:t>mặt</a:t>
+              <a:t>Hiện tại chọn được kích thước là 64*64 cho mỗi khuôn mặt</a:t>
             </a:r>
           </a:p>
           <a:p>
@@ -23220,18 +22819,13 @@
               <a:buChar char="§"/>
             </a:pPr>
             <a:r>
-              <a:rPr lang="en-US" sz="1800" dirty="0" smtClean="0">
+              <a:rPr lang="en-US" sz="1800" dirty="0">
                 <a:solidFill>
                   <a:schemeClr val="tx2"/>
                 </a:solidFill>
               </a:rPr>
               <a:t>Xử lí ngoại lệ, làm mờ ảnh</a:t>
             </a:r>
-            <a:endParaRPr lang="en-US" sz="1800" dirty="0">
-              <a:solidFill>
-                <a:schemeClr val="tx2"/>
-              </a:solidFill>
-            </a:endParaRPr>
           </a:p>
           <a:p>
             <a:pPr>
@@ -23245,15 +22839,7 @@
                   <a:schemeClr val="tx2"/>
                 </a:solidFill>
               </a:rPr>
-              <a:t>GaussianBlur, medianBlur, </a:t>
-            </a:r>
-            <a:r>
-              <a:rPr lang="en-US" sz="1800" dirty="0" smtClean="0">
-                <a:solidFill>
-                  <a:schemeClr val="tx2"/>
-                </a:solidFill>
-              </a:rPr>
-              <a:t>bilateralFilter. </a:t>
+              <a:t>GaussianBlur, medianBlur, bilateralFilter. </a:t>
             </a:r>
           </a:p>
           <a:p>
@@ -23265,18 +22851,13 @@
               <a:buChar char="§"/>
             </a:pPr>
             <a:r>
-              <a:rPr lang="en-US" sz="1800" dirty="0" smtClean="0">
+              <a:rPr lang="en-US" sz="1800" dirty="0">
                 <a:solidFill>
                   <a:schemeClr val="tx2"/>
                 </a:solidFill>
               </a:rPr>
               <a:t>Chuẩn hóa dữ liệu</a:t>
             </a:r>
-            <a:endParaRPr lang="en-US" sz="1800" dirty="0">
-              <a:solidFill>
-                <a:schemeClr val="tx2"/>
-              </a:solidFill>
-            </a:endParaRPr>
           </a:p>
           <a:p>
             <a:pPr>
@@ -23290,23 +22871,7 @@
                   <a:schemeClr val="tx2"/>
                 </a:solidFill>
               </a:rPr>
-              <a:t>image = cv2.normalize(image, None, alpha=0, </a:t>
-            </a:r>
-            <a:r>
-              <a:rPr lang="en-US" sz="1800" dirty="0" smtClean="0">
-                <a:solidFill>
-                  <a:schemeClr val="tx2"/>
-                </a:solidFill>
-              </a:rPr>
-              <a:t>beta=1, norm_type=cv2.NORM_MINMAX</a:t>
-            </a:r>
-            <a:r>
-              <a:rPr lang="en-US" sz="1800" dirty="0">
-                <a:solidFill>
-                  <a:schemeClr val="tx2"/>
-                </a:solidFill>
-              </a:rPr>
-              <a:t>, dtype=cv2.CV_32F)</a:t>
+              <a:t>image = cv2.normalize(image, None, alpha=0, beta=1, norm_type=cv2.NORM_MINMAX, dtype=cv2.CV_32F)</a:t>
             </a:r>
           </a:p>
         </p:txBody>
